--- a/CSS_Unit_2.pptx
+++ b/CSS_Unit_2.pptx
@@ -31,18 +31,18 @@
     <p:sldId id="280" r:id="rId25"/>
     <p:sldId id="281" r:id="rId26"/>
     <p:sldId id="282" r:id="rId27"/>
-    <p:sldId id="283" r:id="rId28"/>
-    <p:sldId id="284" r:id="rId29"/>
-    <p:sldId id="285" r:id="rId30"/>
-    <p:sldId id="286" r:id="rId31"/>
-    <p:sldId id="287" r:id="rId32"/>
-    <p:sldId id="288" r:id="rId33"/>
-    <p:sldId id="289" r:id="rId34"/>
-    <p:sldId id="290" r:id="rId35"/>
-    <p:sldId id="291" r:id="rId36"/>
-    <p:sldId id="292" r:id="rId37"/>
-    <p:sldId id="293" r:id="rId38"/>
-    <p:sldId id="294" r:id="rId39"/>
+    <p:sldId id="295" r:id="rId28"/>
+    <p:sldId id="296" r:id="rId29"/>
+    <p:sldId id="297" r:id="rId30"/>
+    <p:sldId id="298" r:id="rId31"/>
+    <p:sldId id="299" r:id="rId32"/>
+    <p:sldId id="283" r:id="rId33"/>
+    <p:sldId id="286" r:id="rId34"/>
+    <p:sldId id="300" r:id="rId35"/>
+    <p:sldId id="301" r:id="rId36"/>
+    <p:sldId id="288" r:id="rId37"/>
+    <p:sldId id="292" r:id="rId38"/>
+    <p:sldId id="293" r:id="rId39"/>
   </p:sldIdLst>
   <p:sldSz cx="12188825" cy="6858000"/>
   <p:notesSz cx="6858000" cy="9144000"/>
@@ -339,7 +339,7 @@
           <a:p>
             <a:fld id="{5BCAD085-E8A6-8845-BD4E-CB4CCA059FC4}" type="datetimeFigureOut">
               <a:rPr lang="en-US" smtClean="0"/>
-              <a:t>7/26/2025</a:t>
+              <a:t>7/29/2025</a:t>
             </a:fld>
             <a:endParaRPr lang="en-US"/>
           </a:p>
@@ -507,7 +507,7 @@
           <a:p>
             <a:fld id="{5BCAD085-E8A6-8845-BD4E-CB4CCA059FC4}" type="datetimeFigureOut">
               <a:rPr lang="en-US" smtClean="0"/>
-              <a:t>7/26/2025</a:t>
+              <a:t>7/29/2025</a:t>
             </a:fld>
             <a:endParaRPr lang="en-US"/>
           </a:p>
@@ -685,7 +685,7 @@
           <a:p>
             <a:fld id="{5BCAD085-E8A6-8845-BD4E-CB4CCA059FC4}" type="datetimeFigureOut">
               <a:rPr lang="en-US" smtClean="0"/>
-              <a:t>7/26/2025</a:t>
+              <a:t>7/29/2025</a:t>
             </a:fld>
             <a:endParaRPr lang="en-US"/>
           </a:p>
@@ -853,7 +853,7 @@
           <a:p>
             <a:fld id="{5BCAD085-E8A6-8845-BD4E-CB4CCA059FC4}" type="datetimeFigureOut">
               <a:rPr lang="en-US" smtClean="0"/>
-              <a:t>7/26/2025</a:t>
+              <a:t>7/29/2025</a:t>
             </a:fld>
             <a:endParaRPr lang="en-US"/>
           </a:p>
@@ -1098,7 +1098,7 @@
           <a:p>
             <a:fld id="{5BCAD085-E8A6-8845-BD4E-CB4CCA059FC4}" type="datetimeFigureOut">
               <a:rPr lang="en-US" smtClean="0"/>
-              <a:t>7/26/2025</a:t>
+              <a:t>7/29/2025</a:t>
             </a:fld>
             <a:endParaRPr lang="en-US"/>
           </a:p>
@@ -1383,7 +1383,7 @@
           <a:p>
             <a:fld id="{5BCAD085-E8A6-8845-BD4E-CB4CCA059FC4}" type="datetimeFigureOut">
               <a:rPr lang="en-US" smtClean="0"/>
-              <a:t>7/26/2025</a:t>
+              <a:t>7/29/2025</a:t>
             </a:fld>
             <a:endParaRPr lang="en-US"/>
           </a:p>
@@ -1802,7 +1802,7 @@
           <a:p>
             <a:fld id="{5BCAD085-E8A6-8845-BD4E-CB4CCA059FC4}" type="datetimeFigureOut">
               <a:rPr lang="en-US" smtClean="0"/>
-              <a:t>7/26/2025</a:t>
+              <a:t>7/29/2025</a:t>
             </a:fld>
             <a:endParaRPr lang="en-US"/>
           </a:p>
@@ -1919,7 +1919,7 @@
           <a:p>
             <a:fld id="{5BCAD085-E8A6-8845-BD4E-CB4CCA059FC4}" type="datetimeFigureOut">
               <a:rPr lang="en-US" smtClean="0"/>
-              <a:t>7/26/2025</a:t>
+              <a:t>7/29/2025</a:t>
             </a:fld>
             <a:endParaRPr lang="en-US"/>
           </a:p>
@@ -2014,7 +2014,7 @@
           <a:p>
             <a:fld id="{5BCAD085-E8A6-8845-BD4E-CB4CCA059FC4}" type="datetimeFigureOut">
               <a:rPr lang="en-US" smtClean="0"/>
-              <a:t>7/26/2025</a:t>
+              <a:t>7/29/2025</a:t>
             </a:fld>
             <a:endParaRPr lang="en-US"/>
           </a:p>
@@ -2289,7 +2289,7 @@
           <a:p>
             <a:fld id="{5BCAD085-E8A6-8845-BD4E-CB4CCA059FC4}" type="datetimeFigureOut">
               <a:rPr lang="en-US" smtClean="0"/>
-              <a:t>7/26/2025</a:t>
+              <a:t>7/29/2025</a:t>
             </a:fld>
             <a:endParaRPr lang="en-US"/>
           </a:p>
@@ -2541,7 +2541,7 @@
           <a:p>
             <a:fld id="{5BCAD085-E8A6-8845-BD4E-CB4CCA059FC4}" type="datetimeFigureOut">
               <a:rPr lang="en-US" smtClean="0"/>
-              <a:t>7/26/2025</a:t>
+              <a:t>7/29/2025</a:t>
             </a:fld>
             <a:endParaRPr lang="en-US"/>
           </a:p>
@@ -2752,7 +2752,7 @@
           <a:p>
             <a:fld id="{5BCAD085-E8A6-8845-BD4E-CB4CCA059FC4}" type="datetimeFigureOut">
               <a:rPr lang="en-US" smtClean="0"/>
-              <a:t>7/26/2025</a:t>
+              <a:t>7/29/2025</a:t>
             </a:fld>
             <a:endParaRPr lang="en-US"/>
           </a:p>
@@ -4572,23 +4572,71 @@
         </p:nvSpPr>
         <p:spPr/>
         <p:txBody>
-          <a:bodyPr/>
-          <a:lstStyle/>
-          <a:p>
-            <a:r>
-              <a:rPr sz="2000"/>
+          <a:bodyPr>
+            <a:normAutofit lnSpcReduction="10000"/>
+          </a:bodyPr>
+          <a:lstStyle/>
+          <a:p>
+            <a:r>
+              <a:rPr sz="2800" dirty="0"/>
               <a:t>Common units:</a:t>
             </a:r>
           </a:p>
           <a:p>
             <a:r>
-              <a:rPr sz="2000"/>
-              <a:t>px – pixels, % – percentage, em/rem – relative units</a:t>
-            </a:r>
-          </a:p>
-          <a:p>
-            <a:r>
-              <a:rPr sz="2000"/>
+              <a:rPr sz="2800" dirty="0" err="1"/>
+              <a:t>px</a:t>
+            </a:r>
+            <a:r>
+              <a:rPr sz="2800" dirty="0"/>
+              <a:t> – pixels, % – percentage, </a:t>
+            </a:r>
+            <a:r>
+              <a:rPr sz="2800" dirty="0" err="1"/>
+              <a:t>em</a:t>
+            </a:r>
+            <a:r>
+              <a:rPr sz="2800" dirty="0"/>
+              <a:t>/rem – relative units</a:t>
+            </a:r>
+            <a:endParaRPr lang="en-US" sz="2800" dirty="0"/>
+          </a:p>
+          <a:p>
+            <a:r>
+              <a:rPr lang="en-US" sz="2800" dirty="0" err="1"/>
+              <a:t>px</a:t>
+            </a:r>
+            <a:r>
+              <a:rPr lang="en-US" sz="2800" dirty="0"/>
+              <a:t> – Absolute unit representing fixed pixels on the screen.</a:t>
+            </a:r>
+          </a:p>
+          <a:p>
+            <a:r>
+              <a:rPr lang="en-US" sz="2800" dirty="0"/>
+              <a:t>% – Relative to the parent element’s size (e.g., width or height).</a:t>
+            </a:r>
+          </a:p>
+          <a:p>
+            <a:r>
+              <a:rPr lang="en-US" sz="2800" dirty="0" err="1"/>
+              <a:t>em</a:t>
+            </a:r>
+            <a:r>
+              <a:rPr lang="en-US" sz="2800" dirty="0"/>
+              <a:t> – Relative to the font-size of the current element.</a:t>
+            </a:r>
+          </a:p>
+          <a:p>
+            <a:r>
+              <a:rPr lang="en-US" sz="2800" dirty="0"/>
+              <a:t>rem – Relative to the font-size of the root (&lt;html&gt;) element.</a:t>
+            </a:r>
+            <a:endParaRPr sz="2800" dirty="0"/>
+          </a:p>
+          <a:p>
+            <a:r>
+              <a:rPr sz="2800" dirty="0"/>
               <a:t>Example: h1 { font-size: 2em; }</a:t>
             </a:r>
           </a:p>
@@ -4607,7 +4655,13 @@
   <p:cSld>
     <p:spTree>
       <p:nvGrpSpPr>
-        <p:cNvPr id="1" name=""/>
+        <p:cNvPr id="1" name="">
+          <a:extLst>
+            <a:ext uri="{FF2B5EF4-FFF2-40B4-BE49-F238E27FC236}">
+              <a16:creationId xmlns:a16="http://schemas.microsoft.com/office/drawing/2014/main" id="{E6DA0276-248C-CBFA-58C5-0990D6C4786E}"/>
+            </a:ext>
+          </a:extLst>
+        </p:cNvPr>
         <p:cNvGrpSpPr/>
         <p:nvPr/>
       </p:nvGrpSpPr>
@@ -4621,7 +4675,13 @@
       </p:grpSpPr>
       <p:sp>
         <p:nvSpPr>
-          <p:cNvPr id="2" name="Title 1"/>
+          <p:cNvPr id="2" name="Title 1">
+            <a:extLst>
+              <a:ext uri="{FF2B5EF4-FFF2-40B4-BE49-F238E27FC236}">
+                <a16:creationId xmlns:a16="http://schemas.microsoft.com/office/drawing/2014/main" id="{504156CA-CE65-0B86-5EC1-8B6DE2406D5E}"/>
+              </a:ext>
+            </a:extLst>
+          </p:cNvPr>
           <p:cNvSpPr>
             <a:spLocks noGrp="1"/>
           </p:cNvSpPr>
@@ -4631,18 +4691,28 @@
         </p:nvSpPr>
         <p:spPr/>
         <p:txBody>
-          <a:bodyPr/>
-          <a:lstStyle/>
-          <a:p>
-            <a:r>
-              <a:t>Color Formats</a:t>
-            </a:r>
-          </a:p>
-        </p:txBody>
-      </p:sp>
-      <p:sp>
-        <p:nvSpPr>
-          <p:cNvPr id="3" name="Content Placeholder 2"/>
+          <a:bodyPr>
+            <a:normAutofit/>
+          </a:bodyPr>
+          <a:lstStyle/>
+          <a:p>
+            <a:r>
+              <a:rPr lang="en-IN" dirty="0"/>
+              <a:t>CSS Tooltip</a:t>
+            </a:r>
+            <a:endParaRPr dirty="0"/>
+          </a:p>
+        </p:txBody>
+      </p:sp>
+      <p:sp>
+        <p:nvSpPr>
+          <p:cNvPr id="3" name="Content Placeholder 2">
+            <a:extLst>
+              <a:ext uri="{FF2B5EF4-FFF2-40B4-BE49-F238E27FC236}">
+                <a16:creationId xmlns:a16="http://schemas.microsoft.com/office/drawing/2014/main" id="{F3C63844-8116-4C9B-BC8F-20DEC9B39DD7}"/>
+              </a:ext>
+            </a:extLst>
+          </p:cNvPr>
           <p:cNvSpPr>
             <a:spLocks noGrp="1"/>
           </p:cNvSpPr>
@@ -4650,37 +4720,130 @@
             <p:ph idx="1"/>
           </p:nvPr>
         </p:nvSpPr>
-        <p:spPr/>
-        <p:txBody>
-          <a:bodyPr/>
-          <a:lstStyle/>
-          <a:p>
-            <a:r>
-              <a:rPr sz="2000"/>
-              <a:t>Named colors: red, blue</a:t>
-            </a:r>
-          </a:p>
-          <a:p>
-            <a:r>
-              <a:rPr sz="2000"/>
-              <a:t>Hex: #ff0000</a:t>
-            </a:r>
-          </a:p>
-          <a:p>
-            <a:r>
-              <a:rPr sz="2000"/>
-              <a:t>RGB: rgb(255, 0, 0)</a:t>
-            </a:r>
-          </a:p>
-          <a:p>
-            <a:r>
-              <a:rPr sz="2000"/>
-              <a:t>HSL: hsl(0, 100%, 50%)</a:t>
-            </a:r>
+        <p:spPr>
+          <a:xfrm>
+            <a:off x="457199" y="1600200"/>
+            <a:ext cx="11168743" cy="4983162"/>
+          </a:xfrm>
+        </p:spPr>
+        <p:txBody>
+          <a:bodyPr>
+            <a:normAutofit fontScale="85000" lnSpcReduction="20000"/>
+          </a:bodyPr>
+          <a:lstStyle/>
+          <a:p>
+            <a:r>
+              <a:rPr lang="en-US" sz="3600" dirty="0"/>
+              <a:t>A tooltip is often used to specify extra information about something when the user moves the mouse pointer over an element:</a:t>
+            </a:r>
+          </a:p>
+          <a:p>
+            <a:pPr marL="0" indent="0">
+              <a:buNone/>
+            </a:pPr>
+            <a:r>
+              <a:rPr lang="en-US" sz="3600" dirty="0"/>
+              <a:t>&lt;style&gt;</a:t>
+            </a:r>
+          </a:p>
+          <a:p>
+            <a:pPr marL="0" indent="0">
+              <a:buNone/>
+            </a:pPr>
+            <a:r>
+              <a:rPr lang="en-IN" dirty="0"/>
+              <a:t>.tooltip .</a:t>
+            </a:r>
+            <a:r>
+              <a:rPr lang="en-IN" dirty="0" err="1"/>
+              <a:t>tooltiptext</a:t>
+            </a:r>
+            <a:r>
+              <a:rPr lang="en-IN" dirty="0"/>
+              <a:t> {</a:t>
+            </a:r>
+            <a:br>
+              <a:rPr lang="en-IN" dirty="0"/>
+            </a:br>
+            <a:r>
+              <a:rPr lang="en-IN" dirty="0"/>
+              <a:t>  visibility: hidden;</a:t>
+            </a:r>
+            <a:br>
+              <a:rPr lang="en-IN" dirty="0"/>
+            </a:br>
+            <a:r>
+              <a:rPr lang="en-IN" dirty="0"/>
+              <a:t>  position: absolute;</a:t>
+            </a:r>
+            <a:br>
+              <a:rPr lang="en-IN" dirty="0"/>
+            </a:br>
+            <a:r>
+              <a:rPr lang="en-IN" dirty="0"/>
+              <a:t>  z-index: 1;</a:t>
+            </a:r>
+            <a:br>
+              <a:rPr lang="en-IN" dirty="0"/>
+            </a:br>
+            <a:r>
+              <a:rPr lang="en-IN" dirty="0"/>
+              <a:t>}</a:t>
+            </a:r>
+            <a:br>
+              <a:rPr lang="en-IN" sz="1600" dirty="0"/>
+            </a:br>
+            <a:r>
+              <a:rPr lang="en-IN" dirty="0"/>
+              <a:t>.</a:t>
+            </a:r>
+            <a:r>
+              <a:rPr lang="en-IN" dirty="0" err="1"/>
+              <a:t>tooltip:hover</a:t>
+            </a:r>
+            <a:r>
+              <a:rPr lang="en-IN" dirty="0"/>
+              <a:t> .</a:t>
+            </a:r>
+            <a:r>
+              <a:rPr lang="en-IN" dirty="0" err="1"/>
+              <a:t>tooltiptext</a:t>
+            </a:r>
+            <a:r>
+              <a:rPr lang="en-IN" dirty="0"/>
+              <a:t> {</a:t>
+            </a:r>
+            <a:br>
+              <a:rPr lang="en-IN" dirty="0"/>
+            </a:br>
+            <a:r>
+              <a:rPr lang="en-IN" dirty="0"/>
+              <a:t>  visibility: visible;</a:t>
+            </a:r>
+            <a:br>
+              <a:rPr lang="en-IN" dirty="0"/>
+            </a:br>
+            <a:r>
+              <a:rPr lang="en-IN" dirty="0"/>
+              <a:t>}</a:t>
+            </a:r>
+            <a:br>
+              <a:rPr lang="en-IN" sz="1600" dirty="0"/>
+            </a:br>
+            <a:r>
+              <a:rPr lang="en-IN" dirty="0"/>
+              <a:t>&lt;/style&gt;</a:t>
+            </a:r>
+            <a:endParaRPr sz="1600" dirty="0"/>
           </a:p>
         </p:txBody>
       </p:sp>
     </p:spTree>
+    <p:extLst>
+      <p:ext uri="{BB962C8B-B14F-4D97-AF65-F5344CB8AC3E}">
+        <p14:creationId xmlns:p14="http://schemas.microsoft.com/office/powerpoint/2010/main" val="1155815399"/>
+      </p:ext>
+    </p:extLst>
   </p:cSld>
   <p:clrMapOvr>
     <a:masterClrMapping/>
@@ -4693,7 +4856,13 @@
   <p:cSld>
     <p:spTree>
       <p:nvGrpSpPr>
-        <p:cNvPr id="1" name=""/>
+        <p:cNvPr id="1" name="">
+          <a:extLst>
+            <a:ext uri="{FF2B5EF4-FFF2-40B4-BE49-F238E27FC236}">
+              <a16:creationId xmlns:a16="http://schemas.microsoft.com/office/drawing/2014/main" id="{4DA18AF5-6A6E-FD9A-222B-C8DFC620A7A8}"/>
+            </a:ext>
+          </a:extLst>
+        </p:cNvPr>
         <p:cNvGrpSpPr/>
         <p:nvPr/>
       </p:nvGrpSpPr>
@@ -4707,7 +4876,13 @@
       </p:grpSpPr>
       <p:sp>
         <p:nvSpPr>
-          <p:cNvPr id="2" name="Title 1"/>
+          <p:cNvPr id="2" name="Title 1">
+            <a:extLst>
+              <a:ext uri="{FF2B5EF4-FFF2-40B4-BE49-F238E27FC236}">
+                <a16:creationId xmlns:a16="http://schemas.microsoft.com/office/drawing/2014/main" id="{81B03221-A488-52F5-7268-BEBEC3B04321}"/>
+              </a:ext>
+            </a:extLst>
+          </p:cNvPr>
           <p:cNvSpPr>
             <a:spLocks noGrp="1"/>
           </p:cNvSpPr>
@@ -4717,18 +4892,28 @@
         </p:nvSpPr>
         <p:spPr/>
         <p:txBody>
-          <a:bodyPr/>
-          <a:lstStyle/>
-          <a:p>
-            <a:r>
-              <a:t>Responsive Design Intro</a:t>
-            </a:r>
-          </a:p>
-        </p:txBody>
-      </p:sp>
-      <p:sp>
-        <p:nvSpPr>
-          <p:cNvPr id="3" name="Content Placeholder 2"/>
+          <a:bodyPr>
+            <a:normAutofit/>
+          </a:bodyPr>
+          <a:lstStyle/>
+          <a:p>
+            <a:r>
+              <a:rPr lang="en-IN" dirty="0"/>
+              <a:t>CSS Position</a:t>
+            </a:r>
+            <a:endParaRPr dirty="0"/>
+          </a:p>
+        </p:txBody>
+      </p:sp>
+      <p:sp>
+        <p:nvSpPr>
+          <p:cNvPr id="3" name="Content Placeholder 2">
+            <a:extLst>
+              <a:ext uri="{FF2B5EF4-FFF2-40B4-BE49-F238E27FC236}">
+                <a16:creationId xmlns:a16="http://schemas.microsoft.com/office/drawing/2014/main" id="{78488AB5-2409-2D3C-3287-B6DFF1E3365A}"/>
+              </a:ext>
+            </a:extLst>
+          </p:cNvPr>
           <p:cNvSpPr>
             <a:spLocks noGrp="1"/>
           </p:cNvSpPr>
@@ -4736,19 +4921,56 @@
             <p:ph idx="1"/>
           </p:nvPr>
         </p:nvSpPr>
-        <p:spPr/>
-        <p:txBody>
-          <a:bodyPr/>
-          <a:lstStyle/>
-          <a:p>
-            <a:r>
-              <a:rPr sz="2000"/>
-              <a:t>CSS can adapt layout for different devices using media queries</a:t>
-            </a:r>
+        <p:spPr>
+          <a:xfrm>
+            <a:off x="457199" y="1600200"/>
+            <a:ext cx="11168743" cy="4983162"/>
+          </a:xfrm>
+        </p:spPr>
+        <p:txBody>
+          <a:bodyPr>
+            <a:normAutofit fontScale="92500" lnSpcReduction="20000"/>
+          </a:bodyPr>
+          <a:lstStyle/>
+          <a:p>
+            <a:r>
+              <a:rPr lang="en-US" sz="3600" dirty="0"/>
+              <a:t>static – Default position; element follows the normal document flow.</a:t>
+            </a:r>
+          </a:p>
+          <a:p>
+            <a:r>
+              <a:rPr lang="en-US" sz="3600" dirty="0"/>
+              <a:t>relative – Positioned relative to its normal position (can move using top/left).</a:t>
+            </a:r>
+          </a:p>
+          <a:p>
+            <a:r>
+              <a:rPr lang="en-US" sz="3600" dirty="0"/>
+              <a:t>fixed – Stays fixed at a position relative to the viewport (doesn’t scroll).</a:t>
+            </a:r>
+          </a:p>
+          <a:p>
+            <a:r>
+              <a:rPr lang="en-US" sz="3600" dirty="0"/>
+              <a:t>absolute – Positioned relative to the nearest positioned ancestor (or &lt;html&gt; if none).</a:t>
+            </a:r>
+          </a:p>
+          <a:p>
+            <a:r>
+              <a:rPr lang="en-US" sz="3600" dirty="0"/>
+              <a:t>sticky – Switches between relative and fixed depending on scroll position.</a:t>
+            </a:r>
+            <a:endParaRPr sz="1600" dirty="0"/>
           </a:p>
         </p:txBody>
       </p:sp>
     </p:spTree>
+    <p:extLst>
+      <p:ext uri="{BB962C8B-B14F-4D97-AF65-F5344CB8AC3E}">
+        <p14:creationId xmlns:p14="http://schemas.microsoft.com/office/powerpoint/2010/main" val="994810482"/>
+      </p:ext>
+    </p:extLst>
   </p:cSld>
   <p:clrMapOvr>
     <a:masterClrMapping/>
@@ -4761,7 +4983,13 @@
   <p:cSld>
     <p:spTree>
       <p:nvGrpSpPr>
-        <p:cNvPr id="1" name=""/>
+        <p:cNvPr id="1" name="">
+          <a:extLst>
+            <a:ext uri="{FF2B5EF4-FFF2-40B4-BE49-F238E27FC236}">
+              <a16:creationId xmlns:a16="http://schemas.microsoft.com/office/drawing/2014/main" id="{B39648C7-552A-E544-29AA-AB2DB530402D}"/>
+            </a:ext>
+          </a:extLst>
+        </p:cNvPr>
         <p:cNvGrpSpPr/>
         <p:nvPr/>
       </p:nvGrpSpPr>
@@ -4775,7 +5003,13 @@
       </p:grpSpPr>
       <p:sp>
         <p:nvSpPr>
-          <p:cNvPr id="2" name="Title 1"/>
+          <p:cNvPr id="2" name="Title 1">
+            <a:extLst>
+              <a:ext uri="{FF2B5EF4-FFF2-40B4-BE49-F238E27FC236}">
+                <a16:creationId xmlns:a16="http://schemas.microsoft.com/office/drawing/2014/main" id="{D99BC58C-7FDD-B5D7-182A-D7AED5A00233}"/>
+              </a:ext>
+            </a:extLst>
+          </p:cNvPr>
           <p:cNvSpPr>
             <a:spLocks noGrp="1"/>
           </p:cNvSpPr>
@@ -4785,18 +5019,27 @@
         </p:nvSpPr>
         <p:spPr/>
         <p:txBody>
-          <a:bodyPr/>
-          <a:lstStyle/>
-          <a:p>
-            <a:r>
-              <a:t>Media Queries Example</a:t>
-            </a:r>
-          </a:p>
-        </p:txBody>
-      </p:sp>
-      <p:sp>
-        <p:nvSpPr>
-          <p:cNvPr id="3" name="Content Placeholder 2"/>
+          <a:bodyPr>
+            <a:normAutofit/>
+          </a:bodyPr>
+          <a:lstStyle/>
+          <a:p>
+            <a:r>
+              <a:rPr lang="en-IN" dirty="0"/>
+              <a:t>The z-index Property</a:t>
+            </a:r>
+          </a:p>
+        </p:txBody>
+      </p:sp>
+      <p:sp>
+        <p:nvSpPr>
+          <p:cNvPr id="3" name="Content Placeholder 2">
+            <a:extLst>
+              <a:ext uri="{FF2B5EF4-FFF2-40B4-BE49-F238E27FC236}">
+                <a16:creationId xmlns:a16="http://schemas.microsoft.com/office/drawing/2014/main" id="{041AD395-1EA1-3A4A-FE4B-7CD1D50B5D47}"/>
+              </a:ext>
+            </a:extLst>
+          </p:cNvPr>
           <p:cNvSpPr>
             <a:spLocks noGrp="1"/>
           </p:cNvSpPr>
@@ -4804,31 +5047,102 @@
             <p:ph idx="1"/>
           </p:nvPr>
         </p:nvSpPr>
-        <p:spPr/>
-        <p:txBody>
-          <a:bodyPr/>
-          <a:lstStyle/>
-          <a:p>
-            <a:r>
-              <a:rPr sz="2000"/>
-              <a:t>@media screen and (max-width: 600px) {</a:t>
-            </a:r>
-          </a:p>
-          <a:p>
-            <a:r>
-              <a:rPr sz="2000"/>
-              <a:t>  body { background-color: lightblue; }</a:t>
-            </a:r>
-          </a:p>
-          <a:p>
-            <a:r>
-              <a:rPr sz="2000"/>
+        <p:spPr>
+          <a:xfrm>
+            <a:off x="457199" y="1600200"/>
+            <a:ext cx="11168743" cy="4983162"/>
+          </a:xfrm>
+        </p:spPr>
+        <p:txBody>
+          <a:bodyPr>
+            <a:normAutofit fontScale="92500" lnSpcReduction="20000"/>
+          </a:bodyPr>
+          <a:lstStyle/>
+          <a:p>
+            <a:r>
+              <a:rPr lang="en-US" sz="3600" dirty="0"/>
+              <a:t>When elements are positioned, they can overlap other elements.</a:t>
+            </a:r>
+          </a:p>
+          <a:p>
+            <a:r>
+              <a:rPr lang="en-US" sz="3600" dirty="0"/>
+              <a:t>The z-index property specifies the stack order of an element (which element should be placed in front of, or behind, the others).</a:t>
+            </a:r>
+          </a:p>
+          <a:p>
+            <a:r>
+              <a:rPr lang="en-US" sz="3600" dirty="0"/>
+              <a:t>E.g.</a:t>
+            </a:r>
+          </a:p>
+          <a:p>
+            <a:pPr marL="0" indent="0">
+              <a:buNone/>
+            </a:pPr>
+            <a:r>
+              <a:rPr lang="en-US" sz="2600" dirty="0" err="1"/>
+              <a:t>img</a:t>
+            </a:r>
+            <a:r>
+              <a:rPr lang="en-US" sz="2600" dirty="0"/>
+              <a:t> {</a:t>
+            </a:r>
+          </a:p>
+          <a:p>
+            <a:pPr marL="0" indent="0">
+              <a:buNone/>
+            </a:pPr>
+            <a:r>
+              <a:rPr lang="en-US" sz="2600" dirty="0"/>
+              <a:t>  position: absolute;</a:t>
+            </a:r>
+          </a:p>
+          <a:p>
+            <a:pPr marL="0" indent="0">
+              <a:buNone/>
+            </a:pPr>
+            <a:r>
+              <a:rPr lang="en-US" sz="2600" dirty="0"/>
+              <a:t>  left: 0px;</a:t>
+            </a:r>
+          </a:p>
+          <a:p>
+            <a:pPr marL="0" indent="0">
+              <a:buNone/>
+            </a:pPr>
+            <a:r>
+              <a:rPr lang="en-US" sz="2600" dirty="0"/>
+              <a:t>  top: 0px;</a:t>
+            </a:r>
+          </a:p>
+          <a:p>
+            <a:pPr marL="0" indent="0">
+              <a:buNone/>
+            </a:pPr>
+            <a:r>
+              <a:rPr lang="en-US" sz="2600" dirty="0"/>
+              <a:t>  z-index: -1;</a:t>
+            </a:r>
+          </a:p>
+          <a:p>
+            <a:pPr marL="0" indent="0">
+              <a:buNone/>
+            </a:pPr>
+            <a:r>
+              <a:rPr lang="en-US" sz="2600" dirty="0"/>
               <a:t>}</a:t>
             </a:r>
+            <a:endParaRPr sz="2600" dirty="0"/>
           </a:p>
         </p:txBody>
       </p:sp>
     </p:spTree>
+    <p:extLst>
+      <p:ext uri="{BB962C8B-B14F-4D97-AF65-F5344CB8AC3E}">
+        <p14:creationId xmlns:p14="http://schemas.microsoft.com/office/powerpoint/2010/main" val="2451360940"/>
+      </p:ext>
+    </p:extLst>
   </p:cSld>
   <p:clrMapOvr>
     <a:masterClrMapping/>
@@ -4921,7 +5235,13 @@
   <p:cSld>
     <p:spTree>
       <p:nvGrpSpPr>
-        <p:cNvPr id="1" name=""/>
+        <p:cNvPr id="1" name="">
+          <a:extLst>
+            <a:ext uri="{FF2B5EF4-FFF2-40B4-BE49-F238E27FC236}">
+              <a16:creationId xmlns:a16="http://schemas.microsoft.com/office/drawing/2014/main" id="{7B777443-17D0-3F3A-3808-A882B54380C3}"/>
+            </a:ext>
+          </a:extLst>
+        </p:cNvPr>
         <p:cNvGrpSpPr/>
         <p:nvPr/>
       </p:nvGrpSpPr>
@@ -4935,7 +5255,13 @@
       </p:grpSpPr>
       <p:sp>
         <p:nvSpPr>
-          <p:cNvPr id="2" name="Title 1"/>
+          <p:cNvPr id="2" name="Title 1">
+            <a:extLst>
+              <a:ext uri="{FF2B5EF4-FFF2-40B4-BE49-F238E27FC236}">
+                <a16:creationId xmlns:a16="http://schemas.microsoft.com/office/drawing/2014/main" id="{86EFC99A-D8BF-F458-6652-C86C5A2FD303}"/>
+              </a:ext>
+            </a:extLst>
+          </p:cNvPr>
           <p:cNvSpPr>
             <a:spLocks noGrp="1"/>
           </p:cNvSpPr>
@@ -4945,18 +5271,27 @@
         </p:nvSpPr>
         <p:spPr/>
         <p:txBody>
-          <a:bodyPr/>
-          <a:lstStyle/>
-          <a:p>
-            <a:r>
-              <a:t>CSS Flexbox (Intro)</a:t>
-            </a:r>
-          </a:p>
-        </p:txBody>
-      </p:sp>
-      <p:sp>
-        <p:nvSpPr>
-          <p:cNvPr id="3" name="Content Placeholder 2"/>
+          <a:bodyPr>
+            <a:normAutofit/>
+          </a:bodyPr>
+          <a:lstStyle/>
+          <a:p>
+            <a:r>
+              <a:rPr lang="en-IN" dirty="0"/>
+              <a:t>CSS Layout - Overflow</a:t>
+            </a:r>
+          </a:p>
+        </p:txBody>
+      </p:sp>
+      <p:sp>
+        <p:nvSpPr>
+          <p:cNvPr id="3" name="Content Placeholder 2">
+            <a:extLst>
+              <a:ext uri="{FF2B5EF4-FFF2-40B4-BE49-F238E27FC236}">
+                <a16:creationId xmlns:a16="http://schemas.microsoft.com/office/drawing/2014/main" id="{6DD10B9F-F783-91B9-3143-5FE0755B1A8D}"/>
+              </a:ext>
+            </a:extLst>
+          </p:cNvPr>
           <p:cNvSpPr>
             <a:spLocks noGrp="1"/>
           </p:cNvSpPr>
@@ -4964,25 +5299,62 @@
             <p:ph idx="1"/>
           </p:nvPr>
         </p:nvSpPr>
-        <p:spPr/>
-        <p:txBody>
-          <a:bodyPr/>
-          <a:lstStyle/>
-          <a:p>
-            <a:r>
-              <a:rPr sz="2000"/>
-              <a:t>Used for flexible layouts</a:t>
-            </a:r>
-          </a:p>
-          <a:p>
-            <a:r>
-              <a:rPr sz="2000"/>
-              <a:t>.container { display: flex; }</a:t>
-            </a:r>
+        <p:spPr>
+          <a:xfrm>
+            <a:off x="457199" y="1600200"/>
+            <a:ext cx="11168743" cy="4983162"/>
+          </a:xfrm>
+        </p:spPr>
+        <p:txBody>
+          <a:bodyPr>
+            <a:normAutofit/>
+          </a:bodyPr>
+          <a:lstStyle/>
+          <a:p>
+            <a:r>
+              <a:rPr lang="en-US" sz="3600" dirty="0"/>
+              <a:t>The CSS overflow property controls what happens to content that is too big to fit into an area.</a:t>
+            </a:r>
+          </a:p>
+          <a:p>
+            <a:r>
+              <a:rPr lang="en-US" sz="2600" dirty="0"/>
+              <a:t>The overflow property has the following values:</a:t>
+            </a:r>
+          </a:p>
+          <a:p>
+            <a:r>
+              <a:rPr lang="en-US" sz="2600" dirty="0"/>
+              <a:t>visible - Default. The overflow is not clipped. The content renders outside the element's box</a:t>
+            </a:r>
+          </a:p>
+          <a:p>
+            <a:r>
+              <a:rPr lang="en-US" sz="2600" dirty="0"/>
+              <a:t>hidden - The overflow is clipped, and the rest of the content will be invisible</a:t>
+            </a:r>
+          </a:p>
+          <a:p>
+            <a:r>
+              <a:rPr lang="en-US" sz="2600" dirty="0"/>
+              <a:t>scroll - The overflow is clipped, and a scrollbar is added to see the rest of the content</a:t>
+            </a:r>
+          </a:p>
+          <a:p>
+            <a:r>
+              <a:rPr lang="en-US" sz="2600" dirty="0"/>
+              <a:t>auto - Similar to scroll, but it adds scrollbars only when necessary</a:t>
+            </a:r>
+            <a:endParaRPr sz="2600" dirty="0"/>
           </a:p>
         </p:txBody>
       </p:sp>
     </p:spTree>
+    <p:extLst>
+      <p:ext uri="{BB962C8B-B14F-4D97-AF65-F5344CB8AC3E}">
+        <p14:creationId xmlns:p14="http://schemas.microsoft.com/office/powerpoint/2010/main" val="3017187080"/>
+      </p:ext>
+    </p:extLst>
   </p:cSld>
   <p:clrMapOvr>
     <a:masterClrMapping/>
@@ -4995,7 +5367,13 @@
   <p:cSld>
     <p:spTree>
       <p:nvGrpSpPr>
-        <p:cNvPr id="1" name=""/>
+        <p:cNvPr id="1" name="">
+          <a:extLst>
+            <a:ext uri="{FF2B5EF4-FFF2-40B4-BE49-F238E27FC236}">
+              <a16:creationId xmlns:a16="http://schemas.microsoft.com/office/drawing/2014/main" id="{3C956E00-649B-4E9F-414A-9978F761C194}"/>
+            </a:ext>
+          </a:extLst>
+        </p:cNvPr>
         <p:cNvGrpSpPr/>
         <p:nvPr/>
       </p:nvGrpSpPr>
@@ -5009,7 +5387,13 @@
       </p:grpSpPr>
       <p:sp>
         <p:nvSpPr>
-          <p:cNvPr id="2" name="Title 1"/>
+          <p:cNvPr id="2" name="Title 1">
+            <a:extLst>
+              <a:ext uri="{FF2B5EF4-FFF2-40B4-BE49-F238E27FC236}">
+                <a16:creationId xmlns:a16="http://schemas.microsoft.com/office/drawing/2014/main" id="{2FF0FA04-3180-7030-6B65-43AC84E09FE3}"/>
+              </a:ext>
+            </a:extLst>
+          </p:cNvPr>
           <p:cNvSpPr>
             <a:spLocks noGrp="1"/>
           </p:cNvSpPr>
@@ -5019,18 +5403,27 @@
         </p:nvSpPr>
         <p:spPr/>
         <p:txBody>
-          <a:bodyPr/>
-          <a:lstStyle/>
-          <a:p>
-            <a:r>
-              <a:t>Common Mistakes</a:t>
-            </a:r>
-          </a:p>
-        </p:txBody>
-      </p:sp>
-      <p:sp>
-        <p:nvSpPr>
-          <p:cNvPr id="3" name="Content Placeholder 2"/>
+          <a:bodyPr>
+            <a:normAutofit/>
+          </a:bodyPr>
+          <a:lstStyle/>
+          <a:p>
+            <a:r>
+              <a:rPr lang="en-IN" dirty="0"/>
+              <a:t>CSS Layout - float</a:t>
+            </a:r>
+          </a:p>
+        </p:txBody>
+      </p:sp>
+      <p:sp>
+        <p:nvSpPr>
+          <p:cNvPr id="3" name="Content Placeholder 2">
+            <a:extLst>
+              <a:ext uri="{FF2B5EF4-FFF2-40B4-BE49-F238E27FC236}">
+                <a16:creationId xmlns:a16="http://schemas.microsoft.com/office/drawing/2014/main" id="{3DD6ADFF-5CC0-9EED-DE76-699D17732708}"/>
+              </a:ext>
+            </a:extLst>
+          </p:cNvPr>
           <p:cNvSpPr>
             <a:spLocks noGrp="1"/>
           </p:cNvSpPr>
@@ -5038,31 +5431,69 @@
             <p:ph idx="1"/>
           </p:nvPr>
         </p:nvSpPr>
-        <p:spPr/>
-        <p:txBody>
-          <a:bodyPr/>
-          <a:lstStyle/>
-          <a:p>
-            <a:r>
-              <a:rPr sz="2000"/>
-              <a:t>- Forgetting semicolons</a:t>
-            </a:r>
-          </a:p>
-          <a:p>
-            <a:r>
-              <a:rPr sz="2000"/>
-              <a:t>- Misusing ID (#) and class (.)</a:t>
-            </a:r>
-          </a:p>
-          <a:p>
-            <a:r>
-              <a:rPr sz="2000"/>
-              <a:t>- Conflicts between inline and external styles</a:t>
-            </a:r>
+        <p:spPr>
+          <a:xfrm>
+            <a:off x="457199" y="1600200"/>
+            <a:ext cx="11168743" cy="4983162"/>
+          </a:xfrm>
+        </p:spPr>
+        <p:txBody>
+          <a:bodyPr>
+            <a:normAutofit/>
+          </a:bodyPr>
+          <a:lstStyle/>
+          <a:p>
+            <a:r>
+              <a:rPr lang="en-US" sz="3600" dirty="0"/>
+              <a:t>The CSS float property specifies how an element should float.</a:t>
+            </a:r>
+          </a:p>
+          <a:p>
+            <a:r>
+              <a:rPr lang="en-US" sz="3600" dirty="0"/>
+              <a:t>E.g.</a:t>
+            </a:r>
+          </a:p>
+          <a:p>
+            <a:pPr marL="0" indent="0">
+              <a:buNone/>
+            </a:pPr>
+            <a:r>
+              <a:rPr lang="en-IN" sz="2600" dirty="0" err="1"/>
+              <a:t>img</a:t>
+            </a:r>
+            <a:r>
+              <a:rPr lang="en-IN" sz="2600" dirty="0"/>
+              <a:t> {</a:t>
+            </a:r>
+          </a:p>
+          <a:p>
+            <a:pPr marL="0" indent="0">
+              <a:buNone/>
+            </a:pPr>
+            <a:r>
+              <a:rPr lang="en-IN" sz="2600" dirty="0"/>
+              <a:t>  float: left;</a:t>
+            </a:r>
+          </a:p>
+          <a:p>
+            <a:pPr marL="0" indent="0">
+              <a:buNone/>
+            </a:pPr>
+            <a:r>
+              <a:rPr lang="en-IN" sz="2600" dirty="0"/>
+              <a:t>}</a:t>
+            </a:r>
+            <a:endParaRPr sz="2600" dirty="0"/>
           </a:p>
         </p:txBody>
       </p:sp>
     </p:spTree>
+    <p:extLst>
+      <p:ext uri="{BB962C8B-B14F-4D97-AF65-F5344CB8AC3E}">
+        <p14:creationId xmlns:p14="http://schemas.microsoft.com/office/powerpoint/2010/main" val="316596445"/>
+      </p:ext>
+    </p:extLst>
   </p:cSld>
   <p:clrMapOvr>
     <a:masterClrMapping/>
@@ -5103,7 +5534,7 @@
           <a:lstStyle/>
           <a:p>
             <a:r>
-              <a:t>CSS Debugging Tips</a:t>
+              <a:t>Color Formats</a:t>
             </a:r>
           </a:p>
         </p:txBody>
@@ -5120,19 +5551,90 @@
         </p:nvSpPr>
         <p:spPr/>
         <p:txBody>
-          <a:bodyPr/>
-          <a:lstStyle/>
-          <a:p>
-            <a:r>
-              <a:rPr sz="2000"/>
-              <a:t>Use browser dev tools (Inspect Element)</a:t>
-            </a:r>
-          </a:p>
-          <a:p>
-            <a:r>
-              <a:rPr sz="2000"/>
-              <a:t>Check for typos and specificity issues</a:t>
-            </a:r>
+          <a:bodyPr>
+            <a:normAutofit/>
+          </a:bodyPr>
+          <a:lstStyle/>
+          <a:p>
+            <a:r>
+              <a:rPr lang="en-IN" sz="2400" dirty="0"/>
+              <a:t>Named </a:t>
+            </a:r>
+            <a:r>
+              <a:rPr lang="en-IN" sz="2400" dirty="0" err="1"/>
+              <a:t>Colors</a:t>
+            </a:r>
+            <a:r>
+              <a:rPr lang="en-IN" sz="2400" dirty="0"/>
+              <a:t> – Predefined </a:t>
+            </a:r>
+            <a:r>
+              <a:rPr lang="en-IN" sz="2400" dirty="0" err="1"/>
+              <a:t>color</a:t>
+            </a:r>
+            <a:r>
+              <a:rPr lang="en-IN" sz="2400" dirty="0"/>
+              <a:t> names like red, blue, green, etc.</a:t>
+            </a:r>
+          </a:p>
+          <a:p>
+            <a:r>
+              <a:rPr lang="en-IN" sz="2400" dirty="0"/>
+              <a:t>Hex (#rrggbb) – Specifies </a:t>
+            </a:r>
+            <a:r>
+              <a:rPr lang="en-IN" sz="2400" dirty="0" err="1"/>
+              <a:t>color</a:t>
+            </a:r>
+            <a:r>
+              <a:rPr lang="en-IN" sz="2400" dirty="0"/>
+              <a:t> using hexadecimal values for red, green, and blue (e.g., #ff0000 for red).</a:t>
+            </a:r>
+          </a:p>
+          <a:p>
+            <a:r>
+              <a:rPr lang="en-IN" sz="2400" dirty="0"/>
+              <a:t>RGB (</a:t>
+            </a:r>
+            <a:r>
+              <a:rPr lang="en-IN" sz="2400" dirty="0" err="1"/>
+              <a:t>rgb</a:t>
+            </a:r>
+            <a:r>
+              <a:rPr lang="en-IN" sz="2400" dirty="0"/>
+              <a:t>()) – Defines </a:t>
+            </a:r>
+            <a:r>
+              <a:rPr lang="en-IN" sz="2400" dirty="0" err="1"/>
+              <a:t>color</a:t>
+            </a:r>
+            <a:r>
+              <a:rPr lang="en-IN" sz="2400" dirty="0"/>
+              <a:t> using Red, Green, Blue values from 0 to 255.</a:t>
+            </a:r>
+          </a:p>
+          <a:p>
+            <a:r>
+              <a:rPr lang="en-IN" sz="2400" dirty="0"/>
+              <a:t>HSL (</a:t>
+            </a:r>
+            <a:r>
+              <a:rPr lang="en-IN" sz="2400" dirty="0" err="1"/>
+              <a:t>hsl</a:t>
+            </a:r>
+            <a:r>
+              <a:rPr lang="en-IN" sz="2400" dirty="0"/>
+              <a:t>()) – Stands for Hue, Saturation, Lightness; e.g., </a:t>
+            </a:r>
+            <a:r>
+              <a:rPr lang="en-IN" sz="2400" dirty="0" err="1"/>
+              <a:t>hsl</a:t>
+            </a:r>
+            <a:r>
+              <a:rPr lang="en-IN" sz="2400" dirty="0"/>
+              <a:t>(0, 100%, 50%) is pure red.</a:t>
+            </a:r>
+            <a:endParaRPr sz="2400" dirty="0"/>
           </a:p>
         </p:txBody>
       </p:sp>
@@ -5177,7 +5679,7 @@
           <a:lstStyle/>
           <a:p>
             <a:r>
-              <a:t>HTML + CSS Sample</a:t>
+              <a:t>CSS Flexbox (Intro)</a:t>
             </a:r>
           </a:p>
         </p:txBody>
@@ -5194,25 +5696,64 @@
         </p:nvSpPr>
         <p:spPr/>
         <p:txBody>
-          <a:bodyPr/>
-          <a:lstStyle/>
-          <a:p>
-            <a:r>
-              <a:rPr sz="2000"/>
-              <a:t>Combine tags and styles:</a:t>
-            </a:r>
-          </a:p>
-          <a:p>
-            <a:r>
-              <a:rPr sz="2000"/>
-              <a:t>&lt;h1 class="title"&gt;Welcome&lt;/h1&gt;</a:t>
-            </a:r>
-          </a:p>
-          <a:p>
-            <a:r>
-              <a:rPr sz="2000"/>
-              <a:t>.title { color: green; }</a:t>
-            </a:r>
+          <a:bodyPr>
+            <a:normAutofit lnSpcReduction="10000"/>
+          </a:bodyPr>
+          <a:lstStyle/>
+          <a:p>
+            <a:r>
+              <a:rPr lang="en-US" sz="2800" dirty="0"/>
+              <a:t>Flexbox is short for the Flexible Box Layout module.</a:t>
+            </a:r>
+          </a:p>
+          <a:p>
+            <a:r>
+              <a:rPr lang="en-US" sz="2800" dirty="0"/>
+              <a:t>Flexbox is a layout method for arranging items in rows or columns.</a:t>
+            </a:r>
+          </a:p>
+          <a:p>
+            <a:r>
+              <a:rPr lang="en-US" sz="2800" dirty="0"/>
+              <a:t>Flexbox makes it easier to design a flexible responsive layout structure, without using float or positioning.</a:t>
+            </a:r>
+            <a:endParaRPr lang="en-US" sz="1800" dirty="0"/>
+          </a:p>
+          <a:p>
+            <a:r>
+              <a:rPr lang="en-US" sz="2800" dirty="0"/>
+              <a:t>A flexbox always consists of:</a:t>
+            </a:r>
+          </a:p>
+          <a:p>
+            <a:r>
+              <a:rPr lang="en-US" sz="2800" dirty="0"/>
+              <a:t>a </a:t>
+            </a:r>
+            <a:r>
+              <a:rPr lang="en-US" sz="2800" b="1" dirty="0"/>
+              <a:t>Flex Container</a:t>
+            </a:r>
+            <a:r>
+              <a:rPr lang="en-US" sz="2800" dirty="0"/>
+              <a:t> - the parent (container) &lt;div&gt; element</a:t>
+            </a:r>
+          </a:p>
+          <a:p>
+            <a:r>
+              <a:rPr lang="en-US" sz="2800" b="1" dirty="0"/>
+              <a:t>Flex Items</a:t>
+            </a:r>
+            <a:r>
+              <a:rPr lang="en-US" sz="2800" dirty="0"/>
+              <a:t> - the items inside the container &lt;div&gt;</a:t>
+            </a:r>
+          </a:p>
+          <a:p>
+            <a:pPr marL="0" indent="0">
+              <a:buNone/>
+            </a:pPr>
+            <a:endParaRPr lang="en-IN" sz="2800" dirty="0"/>
           </a:p>
         </p:txBody>
       </p:sp>
@@ -5229,7 +5770,13 @@
   <p:cSld>
     <p:spTree>
       <p:nvGrpSpPr>
-        <p:cNvPr id="1" name=""/>
+        <p:cNvPr id="1" name="">
+          <a:extLst>
+            <a:ext uri="{FF2B5EF4-FFF2-40B4-BE49-F238E27FC236}">
+              <a16:creationId xmlns:a16="http://schemas.microsoft.com/office/drawing/2014/main" id="{5E7A45E8-0E40-853A-B68A-569FF14193B1}"/>
+            </a:ext>
+          </a:extLst>
+        </p:cNvPr>
         <p:cNvGrpSpPr/>
         <p:nvPr/>
       </p:nvGrpSpPr>
@@ -5243,7 +5790,13 @@
       </p:grpSpPr>
       <p:sp>
         <p:nvSpPr>
-          <p:cNvPr id="2" name="Title 1"/>
+          <p:cNvPr id="2" name="Title 1">
+            <a:extLst>
+              <a:ext uri="{FF2B5EF4-FFF2-40B4-BE49-F238E27FC236}">
+                <a16:creationId xmlns:a16="http://schemas.microsoft.com/office/drawing/2014/main" id="{24E6516A-0441-9F46-47EB-B5C5E6660817}"/>
+              </a:ext>
+            </a:extLst>
+          </p:cNvPr>
           <p:cNvSpPr>
             <a:spLocks noGrp="1"/>
           </p:cNvSpPr>
@@ -5257,14 +5810,21 @@
           <a:lstStyle/>
           <a:p>
             <a:r>
-              <a:t>Advantages of External CSS</a:t>
-            </a:r>
-          </a:p>
-        </p:txBody>
-      </p:sp>
-      <p:sp>
-        <p:nvSpPr>
-          <p:cNvPr id="3" name="Content Placeholder 2"/>
+              <a:rPr dirty="0"/>
+              <a:t>CSS Flexbox </a:t>
+            </a:r>
+          </a:p>
+        </p:txBody>
+      </p:sp>
+      <p:sp>
+        <p:nvSpPr>
+          <p:cNvPr id="3" name="Content Placeholder 2">
+            <a:extLst>
+              <a:ext uri="{FF2B5EF4-FFF2-40B4-BE49-F238E27FC236}">
+                <a16:creationId xmlns:a16="http://schemas.microsoft.com/office/drawing/2014/main" id="{012009EF-4713-268C-56CE-00CC7B3BC5D8}"/>
+              </a:ext>
+            </a:extLst>
+          </p:cNvPr>
           <p:cNvSpPr>
             <a:spLocks noGrp="1"/>
           </p:cNvSpPr>
@@ -5274,29 +5834,55 @@
         </p:nvSpPr>
         <p:spPr/>
         <p:txBody>
-          <a:bodyPr/>
-          <a:lstStyle/>
-          <a:p>
-            <a:r>
-              <a:rPr sz="2000"/>
-              <a:t>- Cleaner HTML</a:t>
-            </a:r>
-          </a:p>
-          <a:p>
-            <a:r>
-              <a:rPr sz="2000"/>
-              <a:t>- Reusable styles</a:t>
-            </a:r>
-          </a:p>
-          <a:p>
-            <a:r>
-              <a:rPr sz="2000"/>
-              <a:t>- Easier maintenance</a:t>
-            </a:r>
+          <a:bodyPr>
+            <a:normAutofit lnSpcReduction="10000"/>
+          </a:bodyPr>
+          <a:lstStyle/>
+          <a:p>
+            <a:r>
+              <a:rPr lang="en-US" sz="2400" dirty="0"/>
+              <a:t>flex-direction – Defines the main axis direction: row, column, row-reverse, or column-reverse.</a:t>
+            </a:r>
+          </a:p>
+          <a:p>
+            <a:r>
+              <a:rPr lang="en-US" sz="2400" dirty="0"/>
+              <a:t>flex-wrap – Controls whether flex items wrap onto multiple lines or stay in one line.</a:t>
+            </a:r>
+          </a:p>
+          <a:p>
+            <a:r>
+              <a:rPr lang="en-US" sz="2400" dirty="0"/>
+              <a:t>flex-flow – A shorthand for flex-direction and flex-wrap (e.g., row wrap).</a:t>
+            </a:r>
+          </a:p>
+          <a:p>
+            <a:r>
+              <a:rPr lang="en-US" sz="2400" dirty="0"/>
+              <a:t>justify-content – Aligns flex items horizontally along the main axis (start, center, space-between, etc.).</a:t>
+            </a:r>
+          </a:p>
+          <a:p>
+            <a:r>
+              <a:rPr lang="en-US" sz="2400" dirty="0"/>
+              <a:t>align-items – Aligns items vertically (cross-axis) inside the flex container.</a:t>
+            </a:r>
+          </a:p>
+          <a:p>
+            <a:r>
+              <a:rPr lang="en-US" sz="2400" dirty="0"/>
+              <a:t>align-content – Aligns multiple rows of flex items when wrapping is enabled</a:t>
+            </a:r>
+            <a:endParaRPr lang="en-IN" sz="2400" dirty="0"/>
           </a:p>
         </p:txBody>
       </p:sp>
     </p:spTree>
+    <p:extLst>
+      <p:ext uri="{BB962C8B-B14F-4D97-AF65-F5344CB8AC3E}">
+        <p14:creationId xmlns:p14="http://schemas.microsoft.com/office/powerpoint/2010/main" val="1443066497"/>
+      </p:ext>
+    </p:extLst>
   </p:cSld>
   <p:clrMapOvr>
     <a:masterClrMapping/>
@@ -5309,7 +5895,13 @@
   <p:cSld>
     <p:spTree>
       <p:nvGrpSpPr>
-        <p:cNvPr id="1" name=""/>
+        <p:cNvPr id="1" name="">
+          <a:extLst>
+            <a:ext uri="{FF2B5EF4-FFF2-40B4-BE49-F238E27FC236}">
+              <a16:creationId xmlns:a16="http://schemas.microsoft.com/office/drawing/2014/main" id="{34006436-FC18-986C-4DEB-8E8B794A12A4}"/>
+            </a:ext>
+          </a:extLst>
+        </p:cNvPr>
         <p:cNvGrpSpPr/>
         <p:nvPr/>
       </p:nvGrpSpPr>
@@ -5323,7 +5915,13 @@
       </p:grpSpPr>
       <p:sp>
         <p:nvSpPr>
-          <p:cNvPr id="2" name="Title 1"/>
+          <p:cNvPr id="2" name="Title 1">
+            <a:extLst>
+              <a:ext uri="{FF2B5EF4-FFF2-40B4-BE49-F238E27FC236}">
+                <a16:creationId xmlns:a16="http://schemas.microsoft.com/office/drawing/2014/main" id="{D0462CD5-309C-0FFC-4C1E-B63EA373016B}"/>
+              </a:ext>
+            </a:extLst>
+          </p:cNvPr>
           <p:cNvSpPr>
             <a:spLocks noGrp="1"/>
           </p:cNvSpPr>
@@ -5337,14 +5935,21 @@
           <a:lstStyle/>
           <a:p>
             <a:r>
-              <a:t>Real-World Use Cases</a:t>
-            </a:r>
-          </a:p>
-        </p:txBody>
-      </p:sp>
-      <p:sp>
-        <p:nvSpPr>
-          <p:cNvPr id="3" name="Content Placeholder 2"/>
+              <a:rPr lang="en-US" dirty="0"/>
+              <a:t>CSS justify-content Property</a:t>
+            </a:r>
+          </a:p>
+        </p:txBody>
+      </p:sp>
+      <p:sp>
+        <p:nvSpPr>
+          <p:cNvPr id="3" name="Content Placeholder 2">
+            <a:extLst>
+              <a:ext uri="{FF2B5EF4-FFF2-40B4-BE49-F238E27FC236}">
+                <a16:creationId xmlns:a16="http://schemas.microsoft.com/office/drawing/2014/main" id="{0025B026-6C03-AA05-9B11-DDA3AE9CEF8D}"/>
+              </a:ext>
+            </a:extLst>
+          </p:cNvPr>
           <p:cNvSpPr>
             <a:spLocks noGrp="1"/>
           </p:cNvSpPr>
@@ -5354,17 +5959,70 @@
         </p:nvSpPr>
         <p:spPr/>
         <p:txBody>
-          <a:bodyPr/>
-          <a:lstStyle/>
-          <a:p>
-            <a:r>
-              <a:rPr sz="2000"/>
-              <a:t>Websites, dashboards, mobile UIs, themes, animations</a:t>
-            </a:r>
+          <a:bodyPr>
+            <a:normAutofit/>
+          </a:bodyPr>
+          <a:lstStyle/>
+          <a:p>
+            <a:r>
+              <a:rPr lang="en-US" sz="2000" dirty="0"/>
+              <a:t>The justify-content property is used to align the flex items when they do not use all available space on the main-axis (horizontally).</a:t>
+            </a:r>
+          </a:p>
+          <a:p>
+            <a:pPr marL="0" indent="0">
+              <a:buNone/>
+            </a:pPr>
+            <a:endParaRPr lang="en-US" sz="2000" dirty="0"/>
+          </a:p>
+          <a:p>
+            <a:r>
+              <a:rPr lang="en-US" sz="2000" dirty="0"/>
+              <a:t>The justify-content property can have one of the following values:</a:t>
+            </a:r>
+          </a:p>
+          <a:p>
+            <a:endParaRPr lang="en-US" sz="2000" dirty="0"/>
+          </a:p>
+          <a:p>
+            <a:r>
+              <a:rPr lang="en-US" sz="2000" dirty="0"/>
+              <a:t>center</a:t>
+            </a:r>
+          </a:p>
+          <a:p>
+            <a:r>
+              <a:rPr lang="en-US" sz="2000" dirty="0"/>
+              <a:t>flex-start</a:t>
+            </a:r>
+          </a:p>
+          <a:p>
+            <a:r>
+              <a:rPr lang="en-US" sz="2000" dirty="0"/>
+              <a:t>flex-end</a:t>
+            </a:r>
+          </a:p>
+          <a:p>
+            <a:r>
+              <a:rPr lang="en-US" sz="2000" dirty="0"/>
+              <a:t>space-around</a:t>
+            </a:r>
+          </a:p>
+          <a:p>
+            <a:r>
+              <a:rPr lang="en-US" sz="2000" dirty="0"/>
+              <a:t>space-between</a:t>
+            </a:r>
+            <a:endParaRPr lang="en-IN" sz="2000" dirty="0"/>
           </a:p>
         </p:txBody>
       </p:sp>
     </p:spTree>
+    <p:extLst>
+      <p:ext uri="{BB962C8B-B14F-4D97-AF65-F5344CB8AC3E}">
+        <p14:creationId xmlns:p14="http://schemas.microsoft.com/office/powerpoint/2010/main" val="1515697247"/>
+      </p:ext>
+    </p:extLst>
   </p:cSld>
   <p:clrMapOvr>
     <a:masterClrMapping/>
@@ -5405,7 +6063,7 @@
           <a:lstStyle/>
           <a:p>
             <a:r>
-              <a:t>Tools for Writing CSS</a:t>
+              <a:t>CSS Debugging Tips</a:t>
             </a:r>
           </a:p>
         </p:txBody>
@@ -5427,13 +6085,13 @@
           <a:p>
             <a:r>
               <a:rPr sz="2000"/>
-              <a:t>VS Code, Sublime, CodePen, Live Server</a:t>
+              <a:t>Use browser dev tools (Inspect Element)</a:t>
             </a:r>
           </a:p>
           <a:p>
             <a:r>
               <a:rPr sz="2000"/>
-              <a:t>Use linters and formatters for best results</a:t>
+              <a:t>Check for typos and specificity issues</a:t>
             </a:r>
           </a:p>
         </p:txBody>
@@ -5479,7 +6137,7 @@
           <a:lstStyle/>
           <a:p>
             <a:r>
-              <a:t>Conclusion</a:t>
+              <a:t>Tools for Writing CSS</a:t>
             </a:r>
           </a:p>
         </p:txBody>
@@ -5501,13 +6159,13 @@
           <a:p>
             <a:r>
               <a:rPr sz="2000"/>
-              <a:t>CSS enhances the look and feel of HTML content.</a:t>
+              <a:t>VS Code, Sublime, CodePen, Live Server</a:t>
             </a:r>
           </a:p>
           <a:p>
             <a:r>
               <a:rPr sz="2000"/>
-              <a:t>Understanding selectors, properties, and best practices is key.</a:t>
+              <a:t>Use linters and formatters for best results</a:t>
             </a:r>
           </a:p>
         </p:txBody>
@@ -5553,7 +6211,7 @@
           <a:lstStyle/>
           <a:p>
             <a:r>
-              <a:t>Q&amp;A</a:t>
+              <a:t>Conclusion</a:t>
             </a:r>
           </a:p>
         </p:txBody>
@@ -5575,13 +6233,13 @@
           <a:p>
             <a:r>
               <a:rPr sz="2000"/>
-              <a:t>Any questions or clarifications?</a:t>
+              <a:t>CSS enhances the look and feel of HTML content.</a:t>
             </a:r>
           </a:p>
           <a:p>
             <a:r>
               <a:rPr sz="2000"/>
-              <a:t>Let’s discuss practical CSS applications.</a:t>
+              <a:t>Understanding selectors, properties, and best practices is key.</a:t>
             </a:r>
           </a:p>
         </p:txBody>
